--- a/PaperPresentationBigData.pptx
+++ b/PaperPresentationBigData.pptx
@@ -7685,8 +7685,8 @@
         </p:nvSpPr>
         <p:spPr>
           <a:xfrm>
-            <a:off x="5456237" y="3524250"/>
-            <a:ext cx="5221288" cy="2181225"/>
+            <a:off x="5456236" y="3524250"/>
+            <a:ext cx="5888039" cy="2181225"/>
           </a:xfrm>
         </p:spPr>
         <p:txBody>
@@ -7708,27 +7708,44 @@
               <a:buNone/>
             </a:pPr>
             <a:r>
+              <a:rPr lang="en-US" sz="3200" dirty="0" smtClean="0"/>
+              <a:t>Varun </a:t>
+            </a:r>
+            <a:r>
               <a:rPr lang="en-US" sz="3200" dirty="0" err="1" smtClean="0"/>
+              <a:t>Chavakula</a:t>
+            </a:r>
+            <a:r>
+              <a:rPr lang="en-US" sz="3200" dirty="0" smtClean="0"/>
+              <a:t> (Classid:4)</a:t>
+            </a:r>
+          </a:p>
+          <a:p>
+            <a:pPr marL="0" indent="0">
+              <a:buNone/>
+            </a:pPr>
+            <a:r>
+              <a:rPr lang="en-US" sz="3200" dirty="0" err="1"/>
               <a:t>Vikas</a:t>
             </a:r>
             <a:r>
-              <a:rPr lang="en-US" sz="3200" dirty="0" smtClean="0"/>
+              <a:rPr lang="en-US" sz="3200" dirty="0"/>
               <a:t> </a:t>
             </a:r>
             <a:r>
               <a:rPr lang="en-US" sz="3200" dirty="0" err="1" smtClean="0"/>
               <a:t>Kondapalli</a:t>
             </a:r>
-            <a:endParaRPr lang="en-US" sz="3200" dirty="0" smtClean="0"/>
+            <a:r>
+              <a:rPr lang="en-US" sz="3200" dirty="0" smtClean="0"/>
+              <a:t> (Classid:11)</a:t>
+            </a:r>
+            <a:endParaRPr lang="en-US" sz="3200" dirty="0"/>
           </a:p>
           <a:p>
             <a:pPr marL="0" indent="0">
               <a:buNone/>
             </a:pPr>
-            <a:r>
-              <a:rPr lang="en-US" sz="3200" dirty="0" smtClean="0"/>
-              <a:t>Varun Chavakula</a:t>
-            </a:r>
             <a:endParaRPr lang="en-US" sz="3200" dirty="0"/>
           </a:p>
         </p:txBody>
